--- a/data/templates/template-simple.pptx
+++ b/data/templates/template-simple.pptx
@@ -165,7 +165,7 @@
             <a:spLocks noGrp="1"/>
           </p:cNvSpPr>
           <p:nvPr>
-            <p:ph type="ctrTitle"/>
+            <p:ph type="ctrTitle" hasCustomPrompt="1"/>
           </p:nvPr>
         </p:nvSpPr>
         <p:spPr>
@@ -188,7 +188,10 @@
             </a:lvl1pPr>
           </a:lstStyle>
           <a:p>
-            <a:endParaRPr lang="en-US" dirty="0"/>
+            <a:r>
+              <a:rPr lang="en-US" dirty="0"/>
+              <a:t>10x5</a:t>
+            </a:r>
           </a:p>
         </p:txBody>
       </p:sp>
@@ -199,7 +202,7 @@
             <a:spLocks noGrp="1"/>
           </p:cNvSpPr>
           <p:nvPr>
-            <p:ph type="subTitle" idx="1"/>
+            <p:ph type="subTitle" idx="1" hasCustomPrompt="1"/>
           </p:nvPr>
         </p:nvSpPr>
         <p:spPr>
@@ -213,15 +216,22 @@
             <a:normAutofit/>
           </a:bodyPr>
           <a:lstStyle>
-            <a:lvl1pPr marL="0" indent="0" algn="l">
+            <a:lvl1pPr marL="0" marR="0" indent="0" algn="l" defTabSz="685800" rtl="0" eaLnBrk="1" fontAlgn="auto" latinLnBrk="0" hangingPunct="1">
               <a:lnSpc>
                 <a:spcPct val="100000"/>
               </a:lnSpc>
               <a:spcBef>
                 <a:spcPts val="0"/>
               </a:spcBef>
-              <a:buNone/>
-              <a:defRPr sz="6000" b="0" cap="all" baseline="0">
+              <a:spcAft>
+                <a:spcPts val="0"/>
+              </a:spcAft>
+              <a:buClrTx/>
+              <a:buSzTx/>
+              <a:buFont typeface="Arial" panose="020B0604020202020204" pitchFamily="34" charset="0"/>
+              <a:buNone/>
+              <a:tabLst/>
+              <a:defRPr sz="6600" b="0" cap="all" baseline="0">
                 <a:solidFill>
                   <a:schemeClr val="tx1"/>
                 </a:solidFill>
@@ -262,6 +272,16 @@
               <a:defRPr sz="1200"/>
             </a:lvl9pPr>
           </a:lstStyle>
+          <a:p>
+            <a:r>
+              <a:rPr lang="zh-TW" altLang="en-US" dirty="0"/>
+              <a:t>主主主主主主主主主主主主主主主主主主主主主主主主主主主主主主主主主主主主主主主主主主主主主主主主主主</a:t>
+            </a:r>
+            <a:endParaRPr lang="en-US" dirty="0"/>
+          </a:p>
+          <a:p>
+            <a:endParaRPr lang="en-US" dirty="0"/>
+          </a:p>
           <a:p>
             <a:endParaRPr lang="en-US" dirty="0"/>
           </a:p>
@@ -340,7 +360,7 @@
             <a:spLocks noGrp="1"/>
           </p:cNvSpPr>
           <p:nvPr>
-            <p:ph type="ctrTitle"/>
+            <p:ph type="ctrTitle" hasCustomPrompt="1"/>
           </p:nvPr>
         </p:nvSpPr>
         <p:spPr>
@@ -363,7 +383,10 @@
             </a:lvl1pPr>
           </a:lstStyle>
           <a:p>
-            <a:endParaRPr lang="en-US" dirty="0"/>
+            <a:r>
+              <a:rPr lang="en-US" dirty="0"/>
+              <a:t>12x6</a:t>
+            </a:r>
           </a:p>
         </p:txBody>
       </p:sp>
@@ -374,7 +397,7 @@
             <a:spLocks noGrp="1"/>
           </p:cNvSpPr>
           <p:nvPr>
-            <p:ph type="subTitle" idx="1"/>
+            <p:ph type="subTitle" idx="1" hasCustomPrompt="1"/>
           </p:nvPr>
         </p:nvSpPr>
         <p:spPr>
@@ -388,15 +411,22 @@
             <a:normAutofit/>
           </a:bodyPr>
           <a:lstStyle>
-            <a:lvl1pPr marL="0" indent="0" algn="l">
+            <a:lvl1pPr marL="0" marR="0" indent="0" algn="l" defTabSz="685800" rtl="0" eaLnBrk="1" fontAlgn="auto" latinLnBrk="0" hangingPunct="1">
               <a:lnSpc>
                 <a:spcPct val="100000"/>
               </a:lnSpc>
               <a:spcBef>
                 <a:spcPts val="0"/>
               </a:spcBef>
-              <a:buNone/>
-              <a:defRPr sz="4800" b="0" cap="all" baseline="0">
+              <a:spcAft>
+                <a:spcPts val="0"/>
+              </a:spcAft>
+              <a:buClrTx/>
+              <a:buSzTx/>
+              <a:buFont typeface="Arial" panose="020B0604020202020204" pitchFamily="34" charset="0"/>
+              <a:buNone/>
+              <a:tabLst/>
+              <a:defRPr sz="5400" b="0" cap="all" baseline="0">
                 <a:solidFill>
                   <a:schemeClr val="tx1"/>
                 </a:solidFill>
@@ -437,6 +467,48 @@
               <a:defRPr sz="1200"/>
             </a:lvl9pPr>
           </a:lstStyle>
+          <a:p>
+            <a:r>
+              <a:rPr lang="zh-TW" altLang="en-US" dirty="0"/>
+              <a:t>主主主主主主主主主主主主</a:t>
+            </a:r>
+            <a:endParaRPr lang="en-US" dirty="0"/>
+          </a:p>
+          <a:p>
+            <a:r>
+              <a:rPr lang="zh-TW" altLang="en-US" dirty="0"/>
+              <a:t>主主主主主主主主主主主主</a:t>
+            </a:r>
+            <a:endParaRPr lang="en-US" dirty="0"/>
+          </a:p>
+          <a:p>
+            <a:r>
+              <a:rPr lang="zh-TW" altLang="en-US" dirty="0"/>
+              <a:t>主主主主主主主主主主主主</a:t>
+            </a:r>
+            <a:endParaRPr lang="en-US" dirty="0"/>
+          </a:p>
+          <a:p>
+            <a:r>
+              <a:rPr lang="zh-TW" altLang="en-US" dirty="0"/>
+              <a:t>主主主主主主主主主主主主</a:t>
+            </a:r>
+            <a:endParaRPr lang="en-US" dirty="0"/>
+          </a:p>
+          <a:p>
+            <a:r>
+              <a:rPr lang="zh-TW" altLang="en-US" dirty="0"/>
+              <a:t>主主主主主主主主主主主主</a:t>
+            </a:r>
+            <a:endParaRPr lang="en-US" dirty="0"/>
+          </a:p>
+          <a:p>
+            <a:r>
+              <a:rPr lang="zh-TW" altLang="en-US" dirty="0"/>
+              <a:t>主主主主主主主主主主主主</a:t>
+            </a:r>
+            <a:endParaRPr lang="en-US" dirty="0"/>
+          </a:p>
           <a:p>
             <a:endParaRPr lang="en-US" dirty="0"/>
           </a:p>
@@ -477,6 +549,456 @@
     <p:extLst>
       <p:ext uri="{BB962C8B-B14F-4D97-AF65-F5344CB8AC3E}">
         <p14:creationId xmlns:p14="http://schemas.microsoft.com/office/powerpoint/2010/main" val="2396906370"/>
+      </p:ext>
+    </p:extLst>
+  </p:cSld>
+  <p:clrMapOvr>
+    <a:overrideClrMapping bg1="lt1" tx1="dk1" bg2="lt2" tx2="dk2" accent1="accent1" accent2="accent2" accent3="accent3" accent4="accent4" accent5="accent5" accent6="accent6" hlink="hlink" folHlink="folHlink"/>
+  </p:clrMapOvr>
+</p:sldLayout>
+</file>
+
+<file path=ppt/slideLayouts/slideLayout3.xml><?xml version="1.0" encoding="utf-8"?>
+<p:sldLayout xmlns:a="http://schemas.openxmlformats.org/drawingml/2006/main" xmlns:r="http://schemas.openxmlformats.org/officeDocument/2006/relationships" xmlns:p="http://schemas.openxmlformats.org/presentationml/2006/main" type="title" preserve="1">
+  <p:cSld name="2_Title Slide">
+    <p:bg>
+      <p:bgRef idx="1003">
+        <a:schemeClr val="bg1"/>
+      </p:bgRef>
+    </p:bg>
+    <p:spTree>
+      <p:nvGrpSpPr>
+        <p:cNvPr id="1" name=""/>
+        <p:cNvGrpSpPr/>
+        <p:nvPr/>
+      </p:nvGrpSpPr>
+      <p:grpSpPr>
+        <a:xfrm>
+          <a:off x="0" y="0"/>
+          <a:ext cx="0" cy="0"/>
+          <a:chOff x="0" y="0"/>
+          <a:chExt cx="0" cy="0"/>
+        </a:xfrm>
+      </p:grpSpPr>
+      <p:sp>
+        <p:nvSpPr>
+          <p:cNvPr id="2" name="Title 1"/>
+          <p:cNvSpPr>
+            <a:spLocks noGrp="1"/>
+          </p:cNvSpPr>
+          <p:nvPr>
+            <p:ph type="ctrTitle" hasCustomPrompt="1"/>
+          </p:nvPr>
+        </p:nvSpPr>
+        <p:spPr>
+          <a:xfrm>
+            <a:off x="303255" y="263769"/>
+            <a:ext cx="8691276" cy="459852"/>
+          </a:xfrm>
+        </p:spPr>
+        <p:txBody>
+          <a:bodyPr bIns="0" anchor="b">
+            <a:normAutofit/>
+          </a:bodyPr>
+          <a:lstStyle>
+            <a:lvl1pPr algn="l">
+              <a:defRPr sz="2400">
+                <a:solidFill>
+                  <a:srgbClr val="002060"/>
+                </a:solidFill>
+              </a:defRPr>
+            </a:lvl1pPr>
+          </a:lstStyle>
+          <a:p>
+            <a:r>
+              <a:rPr lang="en-US" dirty="0"/>
+              <a:t>15x8</a:t>
+            </a:r>
+          </a:p>
+        </p:txBody>
+      </p:sp>
+      <p:sp>
+        <p:nvSpPr>
+          <p:cNvPr id="3" name="Subtitle 2"/>
+          <p:cNvSpPr>
+            <a:spLocks noGrp="1"/>
+          </p:cNvSpPr>
+          <p:nvPr>
+            <p:ph type="subTitle" idx="1" hasCustomPrompt="1"/>
+          </p:nvPr>
+        </p:nvSpPr>
+        <p:spPr>
+          <a:xfrm>
+            <a:off x="303255" y="926020"/>
+            <a:ext cx="8691276" cy="5659418"/>
+          </a:xfrm>
+        </p:spPr>
+        <p:txBody>
+          <a:bodyPr tIns="91440" bIns="91440">
+            <a:normAutofit/>
+          </a:bodyPr>
+          <a:lstStyle>
+            <a:lvl1pPr marL="0" marR="0" indent="0" algn="l" defTabSz="685800" rtl="0" eaLnBrk="1" fontAlgn="auto" latinLnBrk="0" hangingPunct="1">
+              <a:lnSpc>
+                <a:spcPct val="100000"/>
+              </a:lnSpc>
+              <a:spcBef>
+                <a:spcPts val="0"/>
+              </a:spcBef>
+              <a:spcAft>
+                <a:spcPts val="0"/>
+              </a:spcAft>
+              <a:buClrTx/>
+              <a:buSzTx/>
+              <a:buFont typeface="Arial" panose="020B0604020202020204" pitchFamily="34" charset="0"/>
+              <a:buNone/>
+              <a:tabLst/>
+              <a:defRPr sz="4400" b="0" cap="all" baseline="0">
+                <a:solidFill>
+                  <a:schemeClr val="tx1"/>
+                </a:solidFill>
+                <a:latin typeface="5L2F-LISHU" panose="020B0609010101010101" pitchFamily="49" charset="-120"/>
+                <a:ea typeface="5L2F-LISHU" panose="020B0609010101010101" pitchFamily="49" charset="-120"/>
+              </a:defRPr>
+            </a:lvl1pPr>
+            <a:lvl2pPr marL="342900" indent="0" algn="ctr">
+              <a:buNone/>
+              <a:defRPr sz="1350"/>
+            </a:lvl2pPr>
+            <a:lvl3pPr marL="685800" indent="0" algn="ctr">
+              <a:buNone/>
+              <a:defRPr sz="1350"/>
+            </a:lvl3pPr>
+            <a:lvl4pPr marL="1028700" indent="0" algn="ctr">
+              <a:buNone/>
+              <a:defRPr sz="1200"/>
+            </a:lvl4pPr>
+            <a:lvl5pPr marL="1371600" indent="0" algn="ctr">
+              <a:buNone/>
+              <a:defRPr sz="1200"/>
+            </a:lvl5pPr>
+            <a:lvl6pPr marL="1714500" indent="0" algn="ctr">
+              <a:buNone/>
+              <a:defRPr sz="1200"/>
+            </a:lvl6pPr>
+            <a:lvl7pPr marL="2057400" indent="0" algn="ctr">
+              <a:buNone/>
+              <a:defRPr sz="1200"/>
+            </a:lvl7pPr>
+            <a:lvl8pPr marL="2400300" indent="0" algn="ctr">
+              <a:buNone/>
+              <a:defRPr sz="1200"/>
+            </a:lvl8pPr>
+            <a:lvl9pPr marL="2743200" indent="0" algn="ctr">
+              <a:buNone/>
+              <a:defRPr sz="1200"/>
+            </a:lvl9pPr>
+          </a:lstStyle>
+          <a:p>
+            <a:r>
+              <a:rPr lang="zh-TW" altLang="en-US" dirty="0"/>
+              <a:t>主主主主主主主主主主主主主主主主主主主主主主主主主主主主主主主主主主主主主主主主主主主主主主主主主主主主主主主主主主主主</a:t>
+            </a:r>
+            <a:endParaRPr lang="en-US" altLang="zh-TW" dirty="0"/>
+          </a:p>
+          <a:p>
+            <a:r>
+              <a:rPr lang="zh-TW" altLang="en-US" dirty="0"/>
+              <a:t>主主主主主主主主主主主主主主主</a:t>
+            </a:r>
+            <a:endParaRPr lang="en-US" dirty="0"/>
+          </a:p>
+          <a:p>
+            <a:r>
+              <a:rPr lang="zh-TW" altLang="en-US" dirty="0"/>
+              <a:t>主主主主主主主主主主主主主主主</a:t>
+            </a:r>
+            <a:endParaRPr lang="en-US" dirty="0"/>
+          </a:p>
+          <a:p>
+            <a:r>
+              <a:rPr lang="zh-TW" altLang="en-US" dirty="0"/>
+              <a:t>主主主主主主主主主主主主主主主</a:t>
+            </a:r>
+            <a:endParaRPr lang="en-US" dirty="0"/>
+          </a:p>
+          <a:p>
+            <a:r>
+              <a:rPr lang="zh-TW" altLang="en-US" dirty="0"/>
+              <a:t>主主主主主主主主主主主主主主主</a:t>
+            </a:r>
+            <a:endParaRPr lang="en-US" dirty="0"/>
+          </a:p>
+          <a:p>
+            <a:endParaRPr lang="en-US" dirty="0"/>
+          </a:p>
+          <a:p>
+            <a:endParaRPr lang="en-US" dirty="0"/>
+          </a:p>
+        </p:txBody>
+      </p:sp>
+      <p:cxnSp>
+        <p:nvCxnSpPr>
+          <p:cNvPr id="15" name="Straight Connector 14"/>
+          <p:cNvCxnSpPr/>
+          <p:nvPr/>
+        </p:nvCxnSpPr>
+        <p:spPr>
+          <a:xfrm>
+            <a:off x="303256" y="926019"/>
+            <a:ext cx="8691275" cy="0"/>
+          </a:xfrm>
+          <a:prstGeom prst="line">
+            <a:avLst/>
+          </a:prstGeom>
+          <a:ln w="31750"/>
+        </p:spPr>
+        <p:style>
+          <a:lnRef idx="3">
+            <a:schemeClr val="accent1"/>
+          </a:lnRef>
+          <a:fillRef idx="0">
+            <a:schemeClr val="accent1"/>
+          </a:fillRef>
+          <a:effectRef idx="2">
+            <a:schemeClr val="accent1"/>
+          </a:effectRef>
+          <a:fontRef idx="minor">
+            <a:schemeClr val="tx1"/>
+          </a:fontRef>
+        </p:style>
+      </p:cxnSp>
+    </p:spTree>
+    <p:extLst>
+      <p:ext uri="{BB962C8B-B14F-4D97-AF65-F5344CB8AC3E}">
+        <p14:creationId xmlns:p14="http://schemas.microsoft.com/office/powerpoint/2010/main" val="2702562052"/>
+      </p:ext>
+    </p:extLst>
+  </p:cSld>
+  <p:clrMapOvr>
+    <a:overrideClrMapping bg1="lt1" tx1="dk1" bg2="lt2" tx2="dk2" accent1="accent1" accent2="accent2" accent3="accent3" accent4="accent4" accent5="accent5" accent6="accent6" hlink="hlink" folHlink="folHlink"/>
+  </p:clrMapOvr>
+</p:sldLayout>
+</file>
+
+<file path=ppt/slideLayouts/slideLayout4.xml><?xml version="1.0" encoding="utf-8"?>
+<p:sldLayout xmlns:a="http://schemas.openxmlformats.org/drawingml/2006/main" xmlns:r="http://schemas.openxmlformats.org/officeDocument/2006/relationships" xmlns:p="http://schemas.openxmlformats.org/presentationml/2006/main" type="title" preserve="1">
+  <p:cSld name="3_Title Slide">
+    <p:bg>
+      <p:bgRef idx="1003">
+        <a:schemeClr val="bg1"/>
+      </p:bgRef>
+    </p:bg>
+    <p:spTree>
+      <p:nvGrpSpPr>
+        <p:cNvPr id="1" name=""/>
+        <p:cNvGrpSpPr/>
+        <p:nvPr/>
+      </p:nvGrpSpPr>
+      <p:grpSpPr>
+        <a:xfrm>
+          <a:off x="0" y="0"/>
+          <a:ext cx="0" cy="0"/>
+          <a:chOff x="0" y="0"/>
+          <a:chExt cx="0" cy="0"/>
+        </a:xfrm>
+      </p:grpSpPr>
+      <p:sp>
+        <p:nvSpPr>
+          <p:cNvPr id="2" name="Title 1"/>
+          <p:cNvSpPr>
+            <a:spLocks noGrp="1"/>
+          </p:cNvSpPr>
+          <p:nvPr>
+            <p:ph type="ctrTitle" hasCustomPrompt="1"/>
+          </p:nvPr>
+        </p:nvSpPr>
+        <p:spPr>
+          <a:xfrm>
+            <a:off x="303255" y="263769"/>
+            <a:ext cx="8691276" cy="459852"/>
+          </a:xfrm>
+        </p:spPr>
+        <p:txBody>
+          <a:bodyPr bIns="0" anchor="b">
+            <a:normAutofit/>
+          </a:bodyPr>
+          <a:lstStyle>
+            <a:lvl1pPr algn="l">
+              <a:defRPr sz="2400">
+                <a:solidFill>
+                  <a:srgbClr val="002060"/>
+                </a:solidFill>
+              </a:defRPr>
+            </a:lvl1pPr>
+          </a:lstStyle>
+          <a:p>
+            <a:r>
+              <a:rPr lang="en-US" dirty="0"/>
+              <a:t>18x10</a:t>
+            </a:r>
+          </a:p>
+        </p:txBody>
+      </p:sp>
+      <p:sp>
+        <p:nvSpPr>
+          <p:cNvPr id="3" name="Subtitle 2"/>
+          <p:cNvSpPr>
+            <a:spLocks noGrp="1"/>
+          </p:cNvSpPr>
+          <p:nvPr>
+            <p:ph type="subTitle" idx="1" hasCustomPrompt="1"/>
+          </p:nvPr>
+        </p:nvSpPr>
+        <p:spPr>
+          <a:xfrm>
+            <a:off x="303255" y="926020"/>
+            <a:ext cx="8691276" cy="5659418"/>
+          </a:xfrm>
+        </p:spPr>
+        <p:txBody>
+          <a:bodyPr tIns="91440" bIns="91440">
+            <a:normAutofit/>
+          </a:bodyPr>
+          <a:lstStyle>
+            <a:lvl1pPr marL="0" marR="0" indent="0" algn="l" defTabSz="685800" rtl="0" eaLnBrk="1" fontAlgn="auto" latinLnBrk="0" hangingPunct="1">
+              <a:lnSpc>
+                <a:spcPct val="100000"/>
+              </a:lnSpc>
+              <a:spcBef>
+                <a:spcPts val="0"/>
+              </a:spcBef>
+              <a:spcAft>
+                <a:spcPts val="0"/>
+              </a:spcAft>
+              <a:buClrTx/>
+              <a:buSzTx/>
+              <a:buFont typeface="Arial" panose="020B0604020202020204" pitchFamily="34" charset="0"/>
+              <a:buNone/>
+              <a:tabLst/>
+              <a:defRPr sz="3600" b="0" cap="all" baseline="0">
+                <a:solidFill>
+                  <a:schemeClr val="tx1"/>
+                </a:solidFill>
+                <a:latin typeface="5L2F-LISHU" panose="020B0609010101010101" pitchFamily="49" charset="-120"/>
+                <a:ea typeface="5L2F-LISHU" panose="020B0609010101010101" pitchFamily="49" charset="-120"/>
+              </a:defRPr>
+            </a:lvl1pPr>
+            <a:lvl2pPr marL="342900" indent="0" algn="ctr">
+              <a:buNone/>
+              <a:defRPr sz="1350"/>
+            </a:lvl2pPr>
+            <a:lvl3pPr marL="685800" indent="0" algn="ctr">
+              <a:buNone/>
+              <a:defRPr sz="1350"/>
+            </a:lvl3pPr>
+            <a:lvl4pPr marL="1028700" indent="0" algn="ctr">
+              <a:buNone/>
+              <a:defRPr sz="1200"/>
+            </a:lvl4pPr>
+            <a:lvl5pPr marL="1371600" indent="0" algn="ctr">
+              <a:buNone/>
+              <a:defRPr sz="1200"/>
+            </a:lvl5pPr>
+            <a:lvl6pPr marL="1714500" indent="0" algn="ctr">
+              <a:buNone/>
+              <a:defRPr sz="1200"/>
+            </a:lvl6pPr>
+            <a:lvl7pPr marL="2057400" indent="0" algn="ctr">
+              <a:buNone/>
+              <a:defRPr sz="1200"/>
+            </a:lvl7pPr>
+            <a:lvl8pPr marL="2400300" indent="0" algn="ctr">
+              <a:buNone/>
+              <a:defRPr sz="1200"/>
+            </a:lvl8pPr>
+            <a:lvl9pPr marL="2743200" indent="0" algn="ctr">
+              <a:buNone/>
+              <a:defRPr sz="1200"/>
+            </a:lvl9pPr>
+          </a:lstStyle>
+          <a:p>
+            <a:r>
+              <a:rPr lang="zh-TW" altLang="en-US" dirty="0"/>
+              <a:t>主主主主主主主主主主主主主主主主主主主主主主主主主主主主主主主主主主主主主主主主主主主主主主主主主主主主主主主主主主主主主主主主主主主主主主主主主主主主主主主主主主主主主主主主主主</a:t>
+            </a:r>
+            <a:endParaRPr lang="en-US" dirty="0"/>
+          </a:p>
+          <a:p>
+            <a:r>
+              <a:rPr lang="zh-TW" altLang="en-US" dirty="0"/>
+              <a:t>主主主主主主主主主主主主主主主主主主</a:t>
+            </a:r>
+            <a:endParaRPr lang="en-US" dirty="0"/>
+          </a:p>
+          <a:p>
+            <a:r>
+              <a:rPr lang="zh-TW" altLang="en-US" dirty="0"/>
+              <a:t>主主主主主主主主主主主主主主主主主主</a:t>
+            </a:r>
+            <a:endParaRPr lang="en-US" dirty="0"/>
+          </a:p>
+          <a:p>
+            <a:r>
+              <a:rPr lang="zh-TW" altLang="en-US" dirty="0"/>
+              <a:t>主主主主主主主主主主主主主主主主主主</a:t>
+            </a:r>
+            <a:endParaRPr lang="en-US" dirty="0"/>
+          </a:p>
+          <a:p>
+            <a:r>
+              <a:rPr lang="zh-TW" altLang="en-US" dirty="0"/>
+              <a:t>主主主主主主主主主主主主主主主主主主</a:t>
+            </a:r>
+            <a:endParaRPr lang="en-US" dirty="0"/>
+          </a:p>
+          <a:p>
+            <a:r>
+              <a:rPr lang="zh-TW" altLang="en-US" dirty="0"/>
+              <a:t>主主主主主主主主主主主主主主主主主主</a:t>
+            </a:r>
+            <a:endParaRPr lang="en-US" dirty="0"/>
+          </a:p>
+          <a:p>
+            <a:endParaRPr lang="en-US" dirty="0"/>
+          </a:p>
+        </p:txBody>
+      </p:sp>
+      <p:cxnSp>
+        <p:nvCxnSpPr>
+          <p:cNvPr id="15" name="Straight Connector 14"/>
+          <p:cNvCxnSpPr/>
+          <p:nvPr/>
+        </p:nvCxnSpPr>
+        <p:spPr>
+          <a:xfrm>
+            <a:off x="303256" y="926019"/>
+            <a:ext cx="8691275" cy="0"/>
+          </a:xfrm>
+          <a:prstGeom prst="line">
+            <a:avLst/>
+          </a:prstGeom>
+          <a:ln w="31750"/>
+        </p:spPr>
+        <p:style>
+          <a:lnRef idx="3">
+            <a:schemeClr val="accent1"/>
+          </a:lnRef>
+          <a:fillRef idx="0">
+            <a:schemeClr val="accent1"/>
+          </a:fillRef>
+          <a:effectRef idx="2">
+            <a:schemeClr val="accent1"/>
+          </a:effectRef>
+          <a:fontRef idx="minor">
+            <a:schemeClr val="tx1"/>
+          </a:fontRef>
+        </p:style>
+      </p:cxnSp>
+    </p:spTree>
+    <p:extLst>
+      <p:ext uri="{BB962C8B-B14F-4D97-AF65-F5344CB8AC3E}">
+        <p14:creationId xmlns:p14="http://schemas.microsoft.com/office/powerpoint/2010/main" val="704510143"/>
       </p:ext>
     </p:extLst>
   </p:cSld>
@@ -637,7 +1159,7 @@
             <a:fld id="{48A87A34-81AB-432B-8DAE-1953F412C126}" type="datetimeFigureOut">
               <a:rPr lang="en-US" smtClean="0"/>
               <a:pPr/>
-              <a:t>5/13/2016</a:t>
+              <a:t>6/1/2016</a:t>
             </a:fld>
             <a:endParaRPr lang="en-US" dirty="0"/>
           </a:p>
@@ -733,6 +1255,8 @@
   <p:sldLayoutIdLst>
     <p:sldLayoutId id="2147483652" r:id="rId1"/>
     <p:sldLayoutId id="2147483653" r:id="rId2"/>
+    <p:sldLayoutId id="2147483654" r:id="rId3"/>
+    <p:sldLayoutId id="2147483655" r:id="rId4"/>
   </p:sldLayoutIdLst>
   <p:txStyles>
     <p:titleStyle>
